--- a/Workshop/Content/6. HPC/Azure High-Performance Computing.pptx
+++ b/Workshop/Content/6. HPC/Azure High-Performance Computing.pptx
@@ -206,7 +206,7 @@
           <a:p>
             <a:fld id="{49B60EF2-7028-489F-85D8-FE86CD7CF2A0}" type="datetimeFigureOut">
               <a:rPr lang="en-US" smtClean="0"/>
-              <a:t>6/13/2016</a:t>
+              <a:t>6/21/2016</a:t>
             </a:fld>
             <a:endParaRPr lang="en-US"/>
           </a:p>
@@ -639,7 +639,19 @@
                 <a:ea typeface="+mn-ea"/>
                 <a:cs typeface="+mn-cs"/>
               </a:rPr>
-              <a:t>Although I won’t be using it in my demo, Azure Batch can also play a role in HPC by allowing you to schedule jobs to run across a pool of VMs, much like the batch-processing services frequently used on mainframes and supercomputers.</a:t>
+              <a:t>Azure </a:t>
+            </a:r>
+            <a:r>
+              <a:rPr lang="en-US" sz="1200" kern="1200" dirty="0" smtClean="0">
+                <a:solidFill>
+                  <a:schemeClr val="tx1"/>
+                </a:solidFill>
+                <a:effectLst/>
+                <a:latin typeface="+mn-lt"/>
+                <a:ea typeface="+mn-ea"/>
+                <a:cs typeface="+mn-cs"/>
+              </a:rPr>
+              <a:t>Batch can also play a role in HPC by allowing you to schedule jobs to run across a pool of VMs, much like the batch-processing services frequently used on mainframes and supercomputers.</a:t>
             </a:r>
           </a:p>
         </p:txBody>
@@ -1556,7 +1568,7 @@
           <a:p>
             <a:fld id="{0459C166-16D3-4A25-A2F8-C51E0E346B22}" type="datetimeFigureOut">
               <a:rPr lang="en-US" smtClean="0"/>
-              <a:t>6/13/2016</a:t>
+              <a:t>6/21/2016</a:t>
             </a:fld>
             <a:endParaRPr lang="en-US"/>
           </a:p>
@@ -1651,7 +1663,7 @@
           <a:p>
             <a:fld id="{0459C166-16D3-4A25-A2F8-C51E0E346B22}" type="datetimeFigureOut">
               <a:rPr lang="en-US" smtClean="0"/>
-              <a:t>6/13/2016</a:t>
+              <a:t>6/21/2016</a:t>
             </a:fld>
             <a:endParaRPr lang="en-US"/>
           </a:p>
@@ -1926,7 +1938,7 @@
           <a:p>
             <a:fld id="{0459C166-16D3-4A25-A2F8-C51E0E346B22}" type="datetimeFigureOut">
               <a:rPr lang="en-US" smtClean="0"/>
-              <a:t>6/13/2016</a:t>
+              <a:t>6/21/2016</a:t>
             </a:fld>
             <a:endParaRPr lang="en-US"/>
           </a:p>
@@ -2178,7 +2190,7 @@
           <a:p>
             <a:fld id="{0459C166-16D3-4A25-A2F8-C51E0E346B22}" type="datetimeFigureOut">
               <a:rPr lang="en-US" smtClean="0"/>
-              <a:t>6/13/2016</a:t>
+              <a:t>6/21/2016</a:t>
             </a:fld>
             <a:endParaRPr lang="en-US"/>
           </a:p>
@@ -2346,7 +2358,7 @@
           <a:p>
             <a:fld id="{0459C166-16D3-4A25-A2F8-C51E0E346B22}" type="datetimeFigureOut">
               <a:rPr lang="en-US" smtClean="0"/>
-              <a:t>6/13/2016</a:t>
+              <a:t>6/21/2016</a:t>
             </a:fld>
             <a:endParaRPr lang="en-US"/>
           </a:p>
@@ -2524,7 +2536,7 @@
           <a:p>
             <a:fld id="{0459C166-16D3-4A25-A2F8-C51E0E346B22}" type="datetimeFigureOut">
               <a:rPr lang="en-US" smtClean="0"/>
-              <a:t>6/13/2016</a:t>
+              <a:t>6/21/2016</a:t>
             </a:fld>
             <a:endParaRPr lang="en-US"/>
           </a:p>
@@ -4451,7 +4463,7 @@
           <a:p>
             <a:fld id="{0459C166-16D3-4A25-A2F8-C51E0E346B22}" type="datetimeFigureOut">
               <a:rPr lang="en-US" smtClean="0"/>
-              <a:t>6/13/2016</a:t>
+              <a:t>6/21/2016</a:t>
             </a:fld>
             <a:endParaRPr lang="en-US"/>
           </a:p>
@@ -10078,7 +10090,7 @@
             <a:fld id="{0459C166-16D3-4A25-A2F8-C51E0E346B22}" type="datetimeFigureOut">
               <a:rPr lang="en-US" smtClean="0"/>
               <a:pPr/>
-              <a:t>6/13/2016</a:t>
+              <a:t>6/21/2016</a:t>
             </a:fld>
             <a:endParaRPr lang="en-US"/>
           </a:p>
@@ -14140,7 +14152,7 @@
           <a:p>
             <a:fld id="{0459C166-16D3-4A25-A2F8-C51E0E346B22}" type="datetimeFigureOut">
               <a:rPr lang="en-US" smtClean="0"/>
-              <a:t>6/13/2016</a:t>
+              <a:t>6/21/2016</a:t>
             </a:fld>
             <a:endParaRPr lang="en-US"/>
           </a:p>
@@ -14504,7 +14516,7 @@
           <a:p>
             <a:fld id="{0459C166-16D3-4A25-A2F8-C51E0E346B22}" type="datetimeFigureOut">
               <a:rPr lang="en-US" smtClean="0"/>
-              <a:t>6/13/2016</a:t>
+              <a:t>6/21/2016</a:t>
             </a:fld>
             <a:endParaRPr lang="en-US"/>
           </a:p>
@@ -14621,7 +14633,7 @@
           <a:p>
             <a:fld id="{0459C166-16D3-4A25-A2F8-C51E0E346B22}" type="datetimeFigureOut">
               <a:rPr lang="en-US" smtClean="0"/>
-              <a:t>6/13/2016</a:t>
+              <a:t>6/21/2016</a:t>
             </a:fld>
             <a:endParaRPr lang="en-US"/>
           </a:p>
@@ -14832,7 +14844,7 @@
           <a:p>
             <a:fld id="{0459C166-16D3-4A25-A2F8-C51E0E346B22}" type="datetimeFigureOut">
               <a:rPr lang="en-US" smtClean="0"/>
-              <a:t>6/13/2016</a:t>
+              <a:t>6/21/2016</a:t>
             </a:fld>
             <a:endParaRPr lang="en-US"/>
           </a:p>
